--- a/ppt/IoT14-RaspberryAdvanced.pptx
+++ b/ppt/IoT14-RaspberryAdvanced.pptx
@@ -3707,13 +3707,8 @@
             <a:pPr eaLnBrk="1" hangingPunct="1"/>
             <a:r>
               <a:rPr lang="fr-FR" altLang="fr-FR" dirty="0" smtClean="0"/>
-              <a:t>Chapitre </a:t>
-            </a:r>
-            <a:r>
-              <a:rPr lang="fr-FR" altLang="fr-FR" dirty="0" smtClean="0"/>
-              <a:t>14</a:t>
-            </a:r>
-            <a:endParaRPr lang="fr-FR" altLang="fr-FR" dirty="0" smtClean="0"/>
+              <a:t>Chapitre 14</a:t>
+            </a:r>
           </a:p>
           <a:p>
             <a:pPr eaLnBrk="1" hangingPunct="1"/>
@@ -3729,7 +3724,6 @@
               <a:rPr lang="fr-FR" altLang="fr-FR" dirty="0" smtClean="0"/>
               <a:t> avancée</a:t>
             </a:r>
-            <a:endParaRPr lang="fr-FR" altLang="fr-FR" dirty="0" smtClean="0"/>
           </a:p>
         </p:txBody>
       </p:sp>
@@ -3780,7 +3774,15 @@
           <a:bodyPr/>
           <a:lstStyle/>
           <a:p>
-            <a:endParaRPr lang="fr-FR"/>
+            <a:r>
+              <a:rPr lang="fr-FR" dirty="0" err="1" smtClean="0"/>
+              <a:t>Raspberry</a:t>
+            </a:r>
+            <a:r>
+              <a:rPr lang="fr-FR" dirty="0" smtClean="0"/>
+              <a:t> Avancé</a:t>
+            </a:r>
+            <a:endParaRPr lang="fr-FR" dirty="0"/>
           </a:p>
         </p:txBody>
       </p:sp>
